--- a/RetailRentalPricevsVenueofSanDiego.pptx
+++ b/RetailRentalPricevsVenueofSanDiego.pptx
@@ -10,9 +10,9 @@
     <p:sldId id="258" r:id="rId4"/>
     <p:sldId id="259" r:id="rId5"/>
     <p:sldId id="260" r:id="rId6"/>
-    <p:sldId id="261" r:id="rId7"/>
-    <p:sldId id="262" r:id="rId8"/>
-    <p:sldId id="263" r:id="rId9"/>
+    <p:sldId id="266" r:id="rId7"/>
+    <p:sldId id="261" r:id="rId8"/>
+    <p:sldId id="262" r:id="rId9"/>
     <p:sldId id="264" r:id="rId10"/>
     <p:sldId id="265" r:id="rId11"/>
   </p:sldIdLst>
@@ -113,6 +113,11 @@
       </a:defRPr>
     </a:lvl9pPr>
   </p:defaultTextStyle>
+  <p:extLst>
+    <p:ext uri="{EFAFB233-063F-42B5-8137-9DF3F51BA10A}">
+      <p15:sldGuideLst xmlns:p15="http://schemas.microsoft.com/office/powerpoint/2012/main"/>
+    </p:ext>
+  </p:extLst>
 </p:presentation>
 </file>
 
@@ -265,7 +270,7 @@
           <a:p>
             <a:fld id="{C55A5804-678B-4363-86B9-331F09DF1242}" type="datetimeFigureOut">
               <a:rPr lang="zh-CN" altLang="en-US" smtClean="0"/>
-              <a:t>2020-07-11</a:t>
+              <a:t>2020-07-13</a:t>
             </a:fld>
             <a:endParaRPr lang="zh-CN" altLang="en-US"/>
           </a:p>
@@ -465,7 +470,7 @@
           <a:p>
             <a:fld id="{C55A5804-678B-4363-86B9-331F09DF1242}" type="datetimeFigureOut">
               <a:rPr lang="zh-CN" altLang="en-US" smtClean="0"/>
-              <a:t>2020-07-11</a:t>
+              <a:t>2020-07-13</a:t>
             </a:fld>
             <a:endParaRPr lang="zh-CN" altLang="en-US"/>
           </a:p>
@@ -675,7 +680,7 @@
           <a:p>
             <a:fld id="{C55A5804-678B-4363-86B9-331F09DF1242}" type="datetimeFigureOut">
               <a:rPr lang="zh-CN" altLang="en-US" smtClean="0"/>
-              <a:t>2020-07-11</a:t>
+              <a:t>2020-07-13</a:t>
             </a:fld>
             <a:endParaRPr lang="zh-CN" altLang="en-US"/>
           </a:p>
@@ -875,7 +880,7 @@
           <a:p>
             <a:fld id="{C55A5804-678B-4363-86B9-331F09DF1242}" type="datetimeFigureOut">
               <a:rPr lang="zh-CN" altLang="en-US" smtClean="0"/>
-              <a:t>2020-07-11</a:t>
+              <a:t>2020-07-13</a:t>
             </a:fld>
             <a:endParaRPr lang="zh-CN" altLang="en-US"/>
           </a:p>
@@ -1151,7 +1156,7 @@
           <a:p>
             <a:fld id="{C55A5804-678B-4363-86B9-331F09DF1242}" type="datetimeFigureOut">
               <a:rPr lang="zh-CN" altLang="en-US" smtClean="0"/>
-              <a:t>2020-07-11</a:t>
+              <a:t>2020-07-13</a:t>
             </a:fld>
             <a:endParaRPr lang="zh-CN" altLang="en-US"/>
           </a:p>
@@ -1419,7 +1424,7 @@
           <a:p>
             <a:fld id="{C55A5804-678B-4363-86B9-331F09DF1242}" type="datetimeFigureOut">
               <a:rPr lang="zh-CN" altLang="en-US" smtClean="0"/>
-              <a:t>2020-07-11</a:t>
+              <a:t>2020-07-13</a:t>
             </a:fld>
             <a:endParaRPr lang="zh-CN" altLang="en-US"/>
           </a:p>
@@ -1834,7 +1839,7 @@
           <a:p>
             <a:fld id="{C55A5804-678B-4363-86B9-331F09DF1242}" type="datetimeFigureOut">
               <a:rPr lang="zh-CN" altLang="en-US" smtClean="0"/>
-              <a:t>2020-07-11</a:t>
+              <a:t>2020-07-13</a:t>
             </a:fld>
             <a:endParaRPr lang="zh-CN" altLang="en-US"/>
           </a:p>
@@ -1976,7 +1981,7 @@
           <a:p>
             <a:fld id="{C55A5804-678B-4363-86B9-331F09DF1242}" type="datetimeFigureOut">
               <a:rPr lang="zh-CN" altLang="en-US" smtClean="0"/>
-              <a:t>2020-07-11</a:t>
+              <a:t>2020-07-13</a:t>
             </a:fld>
             <a:endParaRPr lang="zh-CN" altLang="en-US"/>
           </a:p>
@@ -2089,7 +2094,7 @@
           <a:p>
             <a:fld id="{C55A5804-678B-4363-86B9-331F09DF1242}" type="datetimeFigureOut">
               <a:rPr lang="zh-CN" altLang="en-US" smtClean="0"/>
-              <a:t>2020-07-11</a:t>
+              <a:t>2020-07-13</a:t>
             </a:fld>
             <a:endParaRPr lang="zh-CN" altLang="en-US"/>
           </a:p>
@@ -2402,7 +2407,7 @@
           <a:p>
             <a:fld id="{C55A5804-678B-4363-86B9-331F09DF1242}" type="datetimeFigureOut">
               <a:rPr lang="zh-CN" altLang="en-US" smtClean="0"/>
-              <a:t>2020-07-11</a:t>
+              <a:t>2020-07-13</a:t>
             </a:fld>
             <a:endParaRPr lang="zh-CN" altLang="en-US"/>
           </a:p>
@@ -2691,7 +2696,7 @@
           <a:p>
             <a:fld id="{C55A5804-678B-4363-86B9-331F09DF1242}" type="datetimeFigureOut">
               <a:rPr lang="zh-CN" altLang="en-US" smtClean="0"/>
-              <a:t>2020-07-11</a:t>
+              <a:t>2020-07-13</a:t>
             </a:fld>
             <a:endParaRPr lang="zh-CN" altLang="en-US"/>
           </a:p>
@@ -2934,7 +2939,7 @@
           <a:p>
             <a:fld id="{C55A5804-678B-4363-86B9-331F09DF1242}" type="datetimeFigureOut">
               <a:rPr lang="zh-CN" altLang="en-US" smtClean="0"/>
-              <a:t>2020-07-11</a:t>
+              <a:t>2020-07-13</a:t>
             </a:fld>
             <a:endParaRPr lang="zh-CN" altLang="en-US"/>
           </a:p>
@@ -3511,23 +3516,7 @@
                 <a:ea typeface="等线" panose="02010600030101010101" pitchFamily="2" charset="-122"/>
                 <a:cs typeface="Times New Roman" panose="02020603050405020304" pitchFamily="18" charset="0"/>
               </a:rPr>
-              <a:t>Based on my current available data and result, I would like to suggest the investor to choose Cluster 2 as his target area.</a:t>
-            </a:r>
-            <a:endParaRPr lang="zh-CN" altLang="zh-CN" kern="100" dirty="0">
-              <a:effectLst/>
-              <a:latin typeface="等线" panose="02010600030101010101" pitchFamily="2" charset="-122"/>
-              <a:ea typeface="等线" panose="02010600030101010101" pitchFamily="2" charset="-122"/>
-              <a:cs typeface="Times New Roman" panose="02020603050405020304" pitchFamily="18" charset="0"/>
-            </a:endParaRPr>
-          </a:p>
-          <a:p>
-            <a:r>
-              <a:rPr lang="en-US" altLang="zh-CN" dirty="0">
-                <a:effectLst/>
-                <a:latin typeface="等线" panose="02010600030101010101" pitchFamily="2" charset="-122"/>
-                <a:cs typeface="Times New Roman" panose="02020603050405020304" pitchFamily="18" charset="0"/>
-              </a:rPr>
-              <a:t>In my view, the clustering result does not partition the neighborhoods very well, because the most common venues show similarity to each other. I may try to add more data or use other algorithms to find a good suggestion in real life</a:t>
+              <a:t>Considering the prospective customers, neighborhoods in Cluster1 are the best choice for opening a milk tea shop. But the investor also needs to think about the rental cost. If the cost is over his/her budget, Cluster2 is still a good option</a:t>
             </a:r>
             <a:endParaRPr lang="zh-CN" altLang="en-US" sz="4000" dirty="0"/>
           </a:p>
@@ -4139,19 +4128,19 @@
               <a:buNone/>
             </a:pPr>
             <a:r>
-              <a:rPr lang="en-US" sz="2600"/>
+              <a:rPr lang="en-US" sz="2600" dirty="0"/>
               <a:t>An investor is looking for a place to open a milk tea shop and is considering two important factors:</a:t>
             </a:r>
           </a:p>
           <a:p>
             <a:r>
-              <a:rPr lang="en-US" sz="2600"/>
+              <a:rPr lang="en-US" sz="2600" dirty="0"/>
               <a:t>Average rental cost</a:t>
             </a:r>
           </a:p>
           <a:p>
             <a:r>
-              <a:rPr lang="en-US" sz="2600"/>
+              <a:rPr lang="en-US" sz="2600" dirty="0"/>
               <a:t>The prospective clientele </a:t>
             </a:r>
           </a:p>
@@ -4159,15 +4148,23 @@
             <a:pPr marL="0" indent="0">
               <a:buNone/>
             </a:pPr>
-            <a:endParaRPr lang="en-US" sz="2600"/>
+            <a:endParaRPr lang="en-US" sz="2600" dirty="0"/>
           </a:p>
           <a:p>
             <a:pPr marL="0" indent="0">
               <a:buNone/>
             </a:pPr>
             <a:r>
-              <a:rPr lang="en-US" sz="2600"/>
-              <a:t>This project is focus on checking the most common venues of neighborhoods and their average rent</a:t>
+              <a:rPr lang="en-US" sz="2600" dirty="0"/>
+              <a:t>This project is focus on checking the venues </a:t>
+            </a:r>
+            <a:r>
+              <a:rPr lang="en-US" altLang="zh-CN" sz="2600" dirty="0"/>
+              <a:t>categories</a:t>
+            </a:r>
+            <a:r>
+              <a:rPr lang="en-US" sz="2600" dirty="0"/>
+              <a:t> of neighborhoods and their average rent</a:t>
             </a:r>
           </a:p>
         </p:txBody>
@@ -5349,7 +5346,7 @@
                 <a:latin typeface="等线" panose="02010600030101010101" pitchFamily="2" charset="-122"/>
                 <a:cs typeface="Times New Roman" panose="02020603050405020304" pitchFamily="18" charset="0"/>
               </a:rPr>
-              <a:t>use Foursquare API to get the most popular venues of the given neighborhoods.</a:t>
+              <a:t>use Foursquare API to get the venues categories of the given neighborhoods.</a:t>
             </a:r>
             <a:endParaRPr lang="zh-CN" altLang="en-US" sz="4000" dirty="0"/>
           </a:p>
@@ -5453,21 +5450,12 @@
                 <a:latin typeface="等线" panose="02010600030101010101" pitchFamily="2" charset="-122"/>
                 <a:cs typeface="Times New Roman" panose="02020603050405020304" pitchFamily="18" charset="0"/>
               </a:rPr>
-              <a:t>Foursquare API is used to get the up-to-date location data.  I set the limit as 100 venues and the radius 600 meters for each neighborhood from the given latitude and longitude information</a:t>
+              <a:t>Foursquare API is used to get the up-to-date location data</a:t>
             </a:r>
             <a:endParaRPr lang="en-US" altLang="zh-CN" dirty="0">
               <a:latin typeface="等线" panose="02010600030101010101" pitchFamily="2" charset="-122"/>
               <a:cs typeface="Times New Roman" panose="02020603050405020304" pitchFamily="18" charset="0"/>
             </a:endParaRPr>
-          </a:p>
-          <a:p>
-            <a:r>
-              <a:rPr lang="en-US" altLang="zh-CN" dirty="0">
-                <a:latin typeface="等线" panose="02010600030101010101" pitchFamily="2" charset="-122"/>
-                <a:cs typeface="Times New Roman" panose="02020603050405020304" pitchFamily="18" charset="0"/>
-              </a:rPr>
-              <a:t>Use One-hot encoding to convert the categorical data to numerical data</a:t>
-            </a:r>
           </a:p>
           <a:p>
             <a:r>
@@ -5477,27 +5465,6 @@
               </a:rPr>
               <a:t>K-means clustering</a:t>
             </a:r>
-          </a:p>
-          <a:p>
-            <a:pPr lvl="1">
-              <a:buFont typeface="Wingdings" panose="05000000000000000000" pitchFamily="2" charset="2"/>
-              <a:buChar char="Ø"/>
-            </a:pPr>
-            <a:r>
-              <a:rPr lang="en-US" altLang="zh-CN" sz="2800" dirty="0">
-                <a:latin typeface="等线" panose="02010600030101010101" pitchFamily="2" charset="-122"/>
-                <a:cs typeface="Times New Roman" panose="02020603050405020304" pitchFamily="18" charset="0"/>
-              </a:rPr>
-              <a:t> </a:t>
-            </a:r>
-            <a:r>
-              <a:rPr lang="en-US" altLang="zh-CN" dirty="0">
-                <a:latin typeface="等线" panose="02010600030101010101" pitchFamily="2" charset="-122"/>
-                <a:cs typeface="Times New Roman" panose="02020603050405020304" pitchFamily="18" charset="0"/>
-              </a:rPr>
-              <a:t>Elbow method is used to get the optimal k value</a:t>
-            </a:r>
-            <a:endParaRPr lang="zh-CN" altLang="en-US" dirty="0"/>
           </a:p>
         </p:txBody>
       </p:sp>
@@ -5517,14 +5484,6 @@
 <file path=ppt/slides/slide6.xml><?xml version="1.0" encoding="utf-8"?>
 <p:sld xmlns:a="http://schemas.openxmlformats.org/drawingml/2006/main" xmlns:r="http://schemas.openxmlformats.org/officeDocument/2006/relationships" xmlns:p="http://schemas.openxmlformats.org/presentationml/2006/main">
   <p:cSld>
-    <p:bg>
-      <p:bgPr>
-        <a:solidFill>
-          <a:schemeClr val="bg1"/>
-        </a:solidFill>
-        <a:effectLst/>
-      </p:bgPr>
-    </p:bg>
     <p:spTree>
       <p:nvGrpSpPr>
         <p:cNvPr id="1" name=""/>
@@ -5539,189 +5498,119 @@
           <a:chExt cx="0" cy="0"/>
         </a:xfrm>
       </p:grpSpPr>
-      <p:sp useBgFill="1">
-        <p:nvSpPr>
-          <p:cNvPr id="11" name="Rectangle 10">
-            <a:extLst>
-              <a:ext uri="{FF2B5EF4-FFF2-40B4-BE49-F238E27FC236}">
-                <a16:creationId xmlns:a16="http://schemas.microsoft.com/office/drawing/2014/main" id="{E51BA4DF-2BD4-4EC2-B1DB-B27C8AC71864}"/>
-              </a:ext>
-              <a:ext uri="{C183D7F6-B498-43B3-948B-1728B52AA6E4}">
-                <adec:decorative xmlns:adec="http://schemas.microsoft.com/office/drawing/2017/decorative" val="1"/>
-              </a:ext>
-            </a:extLst>
-          </p:cNvPr>
-          <p:cNvSpPr>
-            <a:spLocks noGrp="1" noRot="1" noChangeAspect="1" noMove="1" noResize="1" noEditPoints="1" noAdjustHandles="1" noChangeArrowheads="1" noChangeShapeType="1" noTextEdit="1"/>
-          </p:cNvSpPr>
-          <p:nvPr>
-            <p:extLst>
-              <p:ext uri="{386F3935-93C4-4BCD-93E2-E3B085C9AB24}">
-                <p16:designElem xmlns:p16="http://schemas.microsoft.com/office/powerpoint/2015/main" val="1"/>
-              </p:ext>
-            </p:extLst>
+      <p:sp>
+        <p:nvSpPr>
+          <p:cNvPr id="2" name="Title 1">
+            <a:extLst>
+              <a:ext uri="{FF2B5EF4-FFF2-40B4-BE49-F238E27FC236}">
+                <a16:creationId xmlns:a16="http://schemas.microsoft.com/office/drawing/2014/main" id="{7F4A9C2B-5F1C-4304-89CD-20AE0E0B133B}"/>
+              </a:ext>
+            </a:extLst>
+          </p:cNvPr>
+          <p:cNvSpPr>
+            <a:spLocks noGrp="1"/>
+          </p:cNvSpPr>
+          <p:nvPr>
+            <p:ph type="ctrTitle"/>
           </p:nvPr>
         </p:nvSpPr>
         <p:spPr>
           <a:xfrm>
-            <a:off x="-1" y="0"/>
-            <a:ext cx="12188952" cy="6858000"/>
+            <a:off x="447674" y="465138"/>
+            <a:ext cx="9991725" cy="763587"/>
+          </a:xfrm>
+        </p:spPr>
+        <p:txBody>
+          <a:bodyPr>
+            <a:normAutofit/>
+          </a:bodyPr>
+          <a:lstStyle/>
+          <a:p>
+            <a:pPr algn="l"/>
+            <a:r>
+              <a:rPr lang="en-US" altLang="zh-CN" sz="4400" dirty="0"/>
+              <a:t>Results-Frequencies of categories</a:t>
+            </a:r>
+            <a:endParaRPr lang="zh-CN" altLang="en-US" sz="4400" dirty="0"/>
+          </a:p>
+        </p:txBody>
+      </p:sp>
+      <p:sp>
+        <p:nvSpPr>
+          <p:cNvPr id="5" name="Subtitle 4">
+            <a:extLst>
+              <a:ext uri="{FF2B5EF4-FFF2-40B4-BE49-F238E27FC236}">
+                <a16:creationId xmlns:a16="http://schemas.microsoft.com/office/drawing/2014/main" id="{3781D9B3-A628-44CE-AB37-E2FF3FB8012E}"/>
+              </a:ext>
+            </a:extLst>
+          </p:cNvPr>
+          <p:cNvSpPr>
+            <a:spLocks noGrp="1"/>
+          </p:cNvSpPr>
+          <p:nvPr>
+            <p:ph type="subTitle" idx="1"/>
+          </p:nvPr>
+        </p:nvSpPr>
+        <p:spPr>
+          <a:xfrm>
+            <a:off x="7652551" y="4563122"/>
+            <a:ext cx="4302912" cy="1012055"/>
+          </a:xfrm>
+        </p:spPr>
+        <p:txBody>
+          <a:bodyPr>
+            <a:normAutofit/>
+          </a:bodyPr>
+          <a:lstStyle/>
+          <a:p>
+            <a:pPr algn="l"/>
+            <a:r>
+              <a:rPr lang="en-US" altLang="zh-CN" sz="2000" dirty="0"/>
+              <a:t>Cluster1 has the highest frequency of Food category</a:t>
+            </a:r>
+          </a:p>
+          <a:p>
+            <a:pPr algn="l"/>
+            <a:endParaRPr lang="zh-CN" altLang="en-US" dirty="0"/>
+          </a:p>
+        </p:txBody>
+      </p:sp>
+      <p:pic>
+        <p:nvPicPr>
+          <p:cNvPr id="4" name="Content Placeholder 3">
+            <a:extLst>
+              <a:ext uri="{FF2B5EF4-FFF2-40B4-BE49-F238E27FC236}">
+                <a16:creationId xmlns:a16="http://schemas.microsoft.com/office/drawing/2014/main" id="{CC98EFAB-E052-43F7-A8C5-D47707D009C6}"/>
+              </a:ext>
+            </a:extLst>
+          </p:cNvPr>
+          <p:cNvPicPr>
+            <a:picLocks noGrp="1" noChangeAspect="1"/>
+          </p:cNvPicPr>
+          <p:nvPr>
+            <p:ph idx="4294967295"/>
+          </p:nvPr>
+        </p:nvPicPr>
+        <p:blipFill>
+          <a:blip r:embed="rId2"/>
+          <a:stretch>
+            <a:fillRect/>
+          </a:stretch>
+        </p:blipFill>
+        <p:spPr>
+          <a:xfrm>
+            <a:off x="236535" y="1663700"/>
+            <a:ext cx="6741314" cy="4351338"/>
           </a:xfrm>
           <a:prstGeom prst="rect">
             <a:avLst/>
           </a:prstGeom>
-          <a:ln>
-            <a:noFill/>
-          </a:ln>
-        </p:spPr>
-        <p:style>
-          <a:lnRef idx="2">
-            <a:schemeClr val="accent1">
-              <a:shade val="50000"/>
-            </a:schemeClr>
-          </a:lnRef>
-          <a:fillRef idx="1">
-            <a:schemeClr val="accent1"/>
-          </a:fillRef>
-          <a:effectRef idx="0">
-            <a:schemeClr val="accent1"/>
-          </a:effectRef>
-          <a:fontRef idx="minor">
-            <a:schemeClr val="lt1"/>
-          </a:fontRef>
-        </p:style>
-        <p:txBody>
-          <a:bodyPr rtlCol="0" anchor="ctr"/>
-          <a:lstStyle/>
-          <a:p>
-            <a:pPr algn="ctr"/>
-            <a:endParaRPr lang="en-US"/>
-          </a:p>
-        </p:txBody>
-      </p:sp>
-      <p:sp>
-        <p:nvSpPr>
-          <p:cNvPr id="2" name="Title 1">
-            <a:extLst>
-              <a:ext uri="{FF2B5EF4-FFF2-40B4-BE49-F238E27FC236}">
-                <a16:creationId xmlns:a16="http://schemas.microsoft.com/office/drawing/2014/main" id="{5ACB33E7-D6B4-4942-BA02-0189510D2498}"/>
-              </a:ext>
-            </a:extLst>
-          </p:cNvPr>
-          <p:cNvSpPr>
-            <a:spLocks noGrp="1"/>
-          </p:cNvSpPr>
-          <p:nvPr>
-            <p:ph type="title"/>
-          </p:nvPr>
-        </p:nvSpPr>
-        <p:spPr>
-          <a:xfrm>
-            <a:off x="4553733" y="548464"/>
-            <a:ext cx="6798541" cy="1675623"/>
-          </a:xfrm>
-        </p:spPr>
-        <p:txBody>
-          <a:bodyPr anchor="b">
-            <a:normAutofit/>
-          </a:bodyPr>
-          <a:lstStyle/>
-          <a:p>
-            <a:r>
-              <a:rPr lang="en-US" altLang="zh-CN" sz="4000"/>
-              <a:t>Results-Clusters on the map</a:t>
-            </a:r>
-            <a:endParaRPr lang="zh-CN" altLang="en-US" sz="4000"/>
-          </a:p>
-        </p:txBody>
-      </p:sp>
-      <p:pic>
-        <p:nvPicPr>
-          <p:cNvPr id="4" name="Content Placeholder 3">
-            <a:extLst>
-              <a:ext uri="{FF2B5EF4-FFF2-40B4-BE49-F238E27FC236}">
-                <a16:creationId xmlns:a16="http://schemas.microsoft.com/office/drawing/2014/main" id="{C7C17AC7-F393-4748-9756-9F9849265499}"/>
-              </a:ext>
-            </a:extLst>
-          </p:cNvPr>
-          <p:cNvPicPr>
-            <a:picLocks noChangeAspect="1"/>
-          </p:cNvPicPr>
-          <p:nvPr/>
-        </p:nvPicPr>
-        <p:blipFill rotWithShape="1">
-          <a:blip r:embed="rId2"/>
-          <a:srcRect l="5749" r="21186"/>
-          <a:stretch/>
-        </p:blipFill>
-        <p:spPr>
-          <a:xfrm>
-            <a:off x="1" y="10"/>
-            <a:ext cx="4196496" cy="6857990"/>
-          </a:xfrm>
-          <a:prstGeom prst="rect">
-            <a:avLst/>
-          </a:prstGeom>
-          <a:effectLst/>
         </p:spPr>
       </p:pic>
-      <p:sp>
-        <p:nvSpPr>
-          <p:cNvPr id="8" name="Content Placeholder 7">
-            <a:extLst>
-              <a:ext uri="{FF2B5EF4-FFF2-40B4-BE49-F238E27FC236}">
-                <a16:creationId xmlns:a16="http://schemas.microsoft.com/office/drawing/2014/main" id="{54EBA7F5-D368-4571-99F2-58069E64025A}"/>
-              </a:ext>
-            </a:extLst>
-          </p:cNvPr>
-          <p:cNvSpPr>
-            <a:spLocks noGrp="1"/>
-          </p:cNvSpPr>
-          <p:nvPr>
-            <p:ph idx="1"/>
-          </p:nvPr>
-        </p:nvSpPr>
-        <p:spPr>
-          <a:xfrm>
-            <a:off x="4553734" y="2409830"/>
-            <a:ext cx="6798539" cy="3705217"/>
-          </a:xfrm>
-        </p:spPr>
-        <p:txBody>
-          <a:bodyPr>
-            <a:normAutofit/>
-          </a:bodyPr>
-          <a:lstStyle/>
-          <a:p>
-            <a:r>
-              <a:rPr lang="en-US" sz="2000" dirty="0"/>
-              <a:t>Cluster0 - red</a:t>
-            </a:r>
-          </a:p>
-          <a:p>
-            <a:r>
-              <a:rPr lang="en-US" sz="2000" dirty="0"/>
-              <a:t>Cluster1 -purple</a:t>
-            </a:r>
-          </a:p>
-          <a:p>
-            <a:r>
-              <a:rPr lang="en-US" sz="2000" dirty="0"/>
-              <a:t>Cluster2 -lighb blue</a:t>
-            </a:r>
-          </a:p>
-          <a:p>
-            <a:r>
-              <a:rPr lang="en-US" sz="2000" dirty="0"/>
-              <a:t>Cluster3 - yellow</a:t>
-            </a:r>
-          </a:p>
-        </p:txBody>
-      </p:sp>
     </p:spTree>
     <p:extLst>
       <p:ext uri="{BB962C8B-B14F-4D97-AF65-F5344CB8AC3E}">
-        <p14:creationId xmlns:p14="http://schemas.microsoft.com/office/powerpoint/2010/main" val="1651987387"/>
+        <p14:creationId xmlns:p14="http://schemas.microsoft.com/office/powerpoint/2010/main" val="278206635"/>
       </p:ext>
     </p:extLst>
   </p:cSld>
@@ -5761,7 +5650,7 @@
           <p:cNvPr id="2" name="Title 1">
             <a:extLst>
               <a:ext uri="{FF2B5EF4-FFF2-40B4-BE49-F238E27FC236}">
-                <a16:creationId xmlns:a16="http://schemas.microsoft.com/office/drawing/2014/main" id="{0B5FFCDB-5F1A-41DC-B24C-E59D740D29F1}"/>
+                <a16:creationId xmlns:a16="http://schemas.microsoft.com/office/drawing/2014/main" id="{5ACB33E7-D6B4-4942-BA02-0189510D2498}"/>
               </a:ext>
             </a:extLst>
           </p:cNvPr>
@@ -5785,249 +5674,72 @@
           <a:lstStyle/>
           <a:p>
             <a:r>
-              <a:rPr lang="en-US" altLang="zh-CN" dirty="0"/>
-              <a:t>Results-Average Rent </a:t>
-            </a:r>
-            <a:endParaRPr lang="zh-CN" altLang="en-US" dirty="0"/>
-          </a:p>
-        </p:txBody>
-      </p:sp>
-      <p:graphicFrame>
-        <p:nvGraphicFramePr>
-          <p:cNvPr id="5" name="Table 5">
-            <a:extLst>
-              <a:ext uri="{FF2B5EF4-FFF2-40B4-BE49-F238E27FC236}">
-                <a16:creationId xmlns:a16="http://schemas.microsoft.com/office/drawing/2014/main" id="{79BEDC36-F0C8-4D4D-9977-1F68BCE4289A}"/>
-              </a:ext>
-            </a:extLst>
-          </p:cNvPr>
-          <p:cNvGraphicFramePr>
-            <a:graphicFrameLocks noGrp="1"/>
-          </p:cNvGraphicFramePr>
+              <a:rPr lang="en-US" altLang="zh-CN" sz="4100"/>
+              <a:t>Results-Clusters on the map</a:t>
+            </a:r>
+            <a:endParaRPr lang="zh-CN" altLang="en-US" sz="4100"/>
+          </a:p>
+        </p:txBody>
+      </p:sp>
+      <p:sp>
+        <p:nvSpPr>
+          <p:cNvPr id="8" name="Content Placeholder 7">
+            <a:extLst>
+              <a:ext uri="{FF2B5EF4-FFF2-40B4-BE49-F238E27FC236}">
+                <a16:creationId xmlns:a16="http://schemas.microsoft.com/office/drawing/2014/main" id="{54EBA7F5-D368-4571-99F2-58069E64025A}"/>
+              </a:ext>
+            </a:extLst>
+          </p:cNvPr>
+          <p:cNvSpPr>
+            <a:spLocks noGrp="1"/>
+          </p:cNvSpPr>
           <p:nvPr>
             <p:ph idx="1"/>
-            <p:extLst>
-              <p:ext uri="{D42A27DB-BD31-4B8C-83A1-F6EECF244321}">
-                <p14:modId xmlns:p14="http://schemas.microsoft.com/office/powerpoint/2010/main" val="1615857925"/>
-              </p:ext>
-            </p:extLst>
-          </p:nvPr>
-        </p:nvGraphicFramePr>
-        <p:xfrm>
-          <a:off x="4803802" y="3211079"/>
-          <a:ext cx="6586492" cy="1854200"/>
-        </p:xfrm>
-        <a:graphic>
-          <a:graphicData uri="http://schemas.openxmlformats.org/drawingml/2006/table">
-            <a:tbl>
-              <a:tblPr firstRow="1" bandRow="1">
-                <a:tableStyleId>{5C22544A-7EE6-4342-B048-85BDC9FD1C3A}</a:tableStyleId>
-              </a:tblPr>
-              <a:tblGrid>
-                <a:gridCol w="3293246">
-                  <a:extLst>
-                    <a:ext uri="{9D8B030D-6E8A-4147-A177-3AD203B41FA5}">
-                      <a16:colId xmlns:a16="http://schemas.microsoft.com/office/drawing/2014/main" val="1941096679"/>
-                    </a:ext>
-                  </a:extLst>
-                </a:gridCol>
-                <a:gridCol w="3293246">
-                  <a:extLst>
-                    <a:ext uri="{9D8B030D-6E8A-4147-A177-3AD203B41FA5}">
-                      <a16:colId xmlns:a16="http://schemas.microsoft.com/office/drawing/2014/main" val="2763366416"/>
-                    </a:ext>
-                  </a:extLst>
-                </a:gridCol>
-              </a:tblGrid>
-              <a:tr h="370840">
-                <a:tc>
-                  <a:txBody>
-                    <a:bodyPr/>
-                    <a:lstStyle/>
-                    <a:p>
-                      <a:r>
-                        <a:rPr lang="en-US" altLang="zh-CN" dirty="0"/>
-                        <a:t>Cluster Labels</a:t>
-                      </a:r>
-                      <a:endParaRPr lang="zh-CN" altLang="en-US" dirty="0"/>
-                    </a:p>
-                  </a:txBody>
-                  <a:tcPr/>
-                </a:tc>
-                <a:tc>
-                  <a:txBody>
-                    <a:bodyPr/>
-                    <a:lstStyle/>
-                    <a:p>
-                      <a:r>
-                        <a:rPr lang="en-US" altLang="zh-CN" dirty="0" err="1"/>
-                        <a:t>AverageRent</a:t>
-                      </a:r>
-                      <a:r>
-                        <a:rPr lang="en-US" altLang="zh-CN" dirty="0"/>
-                        <a:t> ($)</a:t>
-                      </a:r>
-                      <a:endParaRPr lang="zh-CN" altLang="en-US" dirty="0"/>
-                    </a:p>
-                  </a:txBody>
-                  <a:tcPr/>
-                </a:tc>
-                <a:extLst>
-                  <a:ext uri="{0D108BD9-81ED-4DB2-BD59-A6C34878D82A}">
-                    <a16:rowId xmlns:a16="http://schemas.microsoft.com/office/drawing/2014/main" val="1511097414"/>
-                  </a:ext>
-                </a:extLst>
-              </a:tr>
-              <a:tr h="370840">
-                <a:tc>
-                  <a:txBody>
-                    <a:bodyPr/>
-                    <a:lstStyle/>
-                    <a:p>
-                      <a:r>
-                        <a:rPr lang="en-US" altLang="zh-CN" dirty="0"/>
-                        <a:t>0</a:t>
-                      </a:r>
-                      <a:endParaRPr lang="zh-CN" altLang="en-US" dirty="0"/>
-                    </a:p>
-                  </a:txBody>
-                  <a:tcPr/>
-                </a:tc>
-                <a:tc>
-                  <a:txBody>
-                    <a:bodyPr/>
-                    <a:lstStyle/>
-                    <a:p>
-                      <a:r>
-                        <a:rPr lang="en-US" altLang="zh-CN" dirty="0"/>
-                        <a:t>1987.088</a:t>
-                      </a:r>
-                      <a:endParaRPr lang="zh-CN" altLang="en-US" dirty="0"/>
-                    </a:p>
-                  </a:txBody>
-                  <a:tcPr/>
-                </a:tc>
-                <a:extLst>
-                  <a:ext uri="{0D108BD9-81ED-4DB2-BD59-A6C34878D82A}">
-                    <a16:rowId xmlns:a16="http://schemas.microsoft.com/office/drawing/2014/main" val="740582116"/>
-                  </a:ext>
-                </a:extLst>
-              </a:tr>
-              <a:tr h="370840">
-                <a:tc>
-                  <a:txBody>
-                    <a:bodyPr/>
-                    <a:lstStyle/>
-                    <a:p>
-                      <a:r>
-                        <a:rPr lang="en-US" altLang="zh-CN" dirty="0"/>
-                        <a:t>1</a:t>
-                      </a:r>
-                      <a:endParaRPr lang="zh-CN" altLang="en-US" dirty="0"/>
-                    </a:p>
-                  </a:txBody>
-                  <a:tcPr/>
-                </a:tc>
-                <a:tc>
-                  <a:txBody>
-                    <a:bodyPr/>
-                    <a:lstStyle/>
-                    <a:p>
-                      <a:r>
-                        <a:rPr lang="en-US" altLang="zh-CN" dirty="0"/>
-                        <a:t>1088.636</a:t>
-                      </a:r>
-                      <a:endParaRPr lang="zh-CN" altLang="en-US" dirty="0"/>
-                    </a:p>
-                  </a:txBody>
-                  <a:tcPr/>
-                </a:tc>
-                <a:extLst>
-                  <a:ext uri="{0D108BD9-81ED-4DB2-BD59-A6C34878D82A}">
-                    <a16:rowId xmlns:a16="http://schemas.microsoft.com/office/drawing/2014/main" val="1848447076"/>
-                  </a:ext>
-                </a:extLst>
-              </a:tr>
-              <a:tr h="370840">
-                <a:tc>
-                  <a:txBody>
-                    <a:bodyPr/>
-                    <a:lstStyle/>
-                    <a:p>
-                      <a:r>
-                        <a:rPr lang="en-US" altLang="zh-CN" dirty="0"/>
-                        <a:t>2</a:t>
-                      </a:r>
-                      <a:endParaRPr lang="zh-CN" altLang="en-US" dirty="0"/>
-                    </a:p>
-                  </a:txBody>
-                  <a:tcPr/>
-                </a:tc>
-                <a:tc>
-                  <a:txBody>
-                    <a:bodyPr/>
-                    <a:lstStyle/>
-                    <a:p>
-                      <a:r>
-                        <a:rPr lang="en-US" altLang="zh-CN" dirty="0"/>
-                        <a:t>2413.846</a:t>
-                      </a:r>
-                      <a:endParaRPr lang="zh-CN" altLang="en-US" dirty="0"/>
-                    </a:p>
-                  </a:txBody>
-                  <a:tcPr/>
-                </a:tc>
-                <a:extLst>
-                  <a:ext uri="{0D108BD9-81ED-4DB2-BD59-A6C34878D82A}">
-                    <a16:rowId xmlns:a16="http://schemas.microsoft.com/office/drawing/2014/main" val="3534002913"/>
-                  </a:ext>
-                </a:extLst>
-              </a:tr>
-              <a:tr h="370840">
-                <a:tc>
-                  <a:txBody>
-                    <a:bodyPr/>
-                    <a:lstStyle/>
-                    <a:p>
-                      <a:r>
-                        <a:rPr lang="en-US" altLang="zh-CN" dirty="0"/>
-                        <a:t>3</a:t>
-                      </a:r>
-                      <a:endParaRPr lang="zh-CN" altLang="en-US" dirty="0"/>
-                    </a:p>
-                  </a:txBody>
-                  <a:tcPr/>
-                </a:tc>
-                <a:tc>
-                  <a:txBody>
-                    <a:bodyPr/>
-                    <a:lstStyle/>
-                    <a:p>
-                      <a:r>
-                        <a:rPr lang="en-US" altLang="zh-CN" dirty="0"/>
-                        <a:t>1667.208</a:t>
-                      </a:r>
-                      <a:endParaRPr lang="zh-CN" altLang="en-US" dirty="0"/>
-                    </a:p>
-                  </a:txBody>
-                  <a:tcPr/>
-                </a:tc>
-                <a:extLst>
-                  <a:ext uri="{0D108BD9-81ED-4DB2-BD59-A6C34878D82A}">
-                    <a16:rowId xmlns:a16="http://schemas.microsoft.com/office/drawing/2014/main" val="183646419"/>
-                  </a:ext>
-                </a:extLst>
-              </a:tr>
-            </a:tbl>
-          </a:graphicData>
-        </a:graphic>
-      </p:graphicFrame>
+          </p:nvPr>
+        </p:nvSpPr>
+        <p:spPr>
+          <a:xfrm>
+            <a:off x="4965431" y="2438400"/>
+            <a:ext cx="6586489" cy="3785419"/>
+          </a:xfrm>
+        </p:spPr>
+        <p:txBody>
+          <a:bodyPr>
+            <a:normAutofit/>
+          </a:bodyPr>
+          <a:lstStyle/>
+          <a:p>
+            <a:r>
+              <a:rPr lang="en-US" sz="2000" dirty="0"/>
+              <a:t>Cluster0 - red</a:t>
+            </a:r>
+          </a:p>
+          <a:p>
+            <a:r>
+              <a:rPr lang="en-US" sz="2000" dirty="0"/>
+              <a:t>Cluster1 - yellow</a:t>
+            </a:r>
+          </a:p>
+          <a:p>
+            <a:r>
+              <a:rPr lang="en-US" sz="2000" dirty="0"/>
+              <a:t>Cluster2 - blue</a:t>
+            </a:r>
+          </a:p>
+          <a:p>
+            <a:r>
+              <a:rPr lang="en-US" sz="2000" dirty="0"/>
+              <a:t>Cluster3 - green</a:t>
+            </a:r>
+          </a:p>
+        </p:txBody>
+      </p:sp>
       <p:pic>
         <p:nvPicPr>
-          <p:cNvPr id="4" name="Content Placeholder 3">
-            <a:extLst>
-              <a:ext uri="{FF2B5EF4-FFF2-40B4-BE49-F238E27FC236}">
-                <a16:creationId xmlns:a16="http://schemas.microsoft.com/office/drawing/2014/main" id="{CFB63E30-FCD4-4887-9E20-004770E7E30C}"/>
+          <p:cNvPr id="3" name="Picture 2">
+            <a:extLst>
+              <a:ext uri="{FF2B5EF4-FFF2-40B4-BE49-F238E27FC236}">
+                <a16:creationId xmlns:a16="http://schemas.microsoft.com/office/drawing/2014/main" id="{53B96008-8EA4-4E6B-B93E-987ECD73E28C}"/>
               </a:ext>
             </a:extLst>
           </p:cNvPr>
@@ -6038,7 +5750,7 @@
         </p:nvPicPr>
         <p:blipFill rotWithShape="1">
           <a:blip r:embed="rId2"/>
-          <a:srcRect l="8855" r="3075"/>
+          <a:srcRect l="17317"/>
           <a:stretch/>
         </p:blipFill>
         <p:spPr>
@@ -6054,7 +5766,7 @@
       </p:pic>
       <p:cxnSp>
         <p:nvCxnSpPr>
-          <p:cNvPr id="11" name="Straight Connector 10">
+          <p:cNvPr id="16" name="Straight Connector 15">
             <a:extLst>
               <a:ext uri="{FF2B5EF4-FFF2-40B4-BE49-F238E27FC236}">
                 <a16:creationId xmlns:a16="http://schemas.microsoft.com/office/drawing/2014/main" id="{A7F400EE-A8A5-48AF-B4D6-291B52C6F0B0}"/>
@@ -6085,7 +5797,7 @@
           </a:prstGeom>
           <a:ln w="19050">
             <a:solidFill>
-              <a:srgbClr val="288ED2"/>
+              <a:srgbClr val="F9491D"/>
             </a:solidFill>
           </a:ln>
         </p:spPr>
@@ -6107,7 +5819,7 @@
     </p:spTree>
     <p:extLst>
       <p:ext uri="{BB962C8B-B14F-4D97-AF65-F5344CB8AC3E}">
-        <p14:creationId xmlns:p14="http://schemas.microsoft.com/office/powerpoint/2010/main" val="1012472193"/>
+        <p14:creationId xmlns:p14="http://schemas.microsoft.com/office/powerpoint/2010/main" val="1651987387"/>
       </p:ext>
     </p:extLst>
   </p:cSld>
@@ -6120,6 +5832,14 @@
 <file path=ppt/slides/slide8.xml><?xml version="1.0" encoding="utf-8"?>
 <p:sld xmlns:a="http://schemas.openxmlformats.org/drawingml/2006/main" xmlns:r="http://schemas.openxmlformats.org/officeDocument/2006/relationships" xmlns:p="http://schemas.openxmlformats.org/presentationml/2006/main">
   <p:cSld>
+    <p:bg>
+      <p:bgPr>
+        <a:solidFill>
+          <a:schemeClr val="bg1"/>
+        </a:solidFill>
+        <a:effectLst/>
+      </p:bgPr>
+    </p:bg>
     <p:spTree>
       <p:nvGrpSpPr>
         <p:cNvPr id="1" name=""/>
@@ -6134,99 +5854,108 @@
           <a:chExt cx="0" cy="0"/>
         </a:xfrm>
       </p:grpSpPr>
-      <p:sp>
-        <p:nvSpPr>
-          <p:cNvPr id="2" name="Title 1">
-            <a:extLst>
-              <a:ext uri="{FF2B5EF4-FFF2-40B4-BE49-F238E27FC236}">
-                <a16:creationId xmlns:a16="http://schemas.microsoft.com/office/drawing/2014/main" id="{6345BD58-73AB-4A64-9698-C31BF4A9EFA9}"/>
-              </a:ext>
-            </a:extLst>
-          </p:cNvPr>
-          <p:cNvSpPr>
-            <a:spLocks noGrp="1"/>
-          </p:cNvSpPr>
-          <p:nvPr>
-            <p:ph type="title"/>
-          </p:nvPr>
-        </p:nvSpPr>
-        <p:spPr/>
-        <p:txBody>
-          <a:bodyPr/>
-          <a:lstStyle/>
-          <a:p>
-            <a:r>
-              <a:rPr lang="en-US" altLang="zh-CN" dirty="0"/>
-              <a:t>Results-Most Common Venues</a:t>
-            </a:r>
-            <a:endParaRPr lang="zh-CN" altLang="en-US" dirty="0"/>
-          </a:p>
-        </p:txBody>
-      </p:sp>
-      <p:sp>
-        <p:nvSpPr>
-          <p:cNvPr id="3" name="Content Placeholder 2">
-            <a:extLst>
-              <a:ext uri="{FF2B5EF4-FFF2-40B4-BE49-F238E27FC236}">
-                <a16:creationId xmlns:a16="http://schemas.microsoft.com/office/drawing/2014/main" id="{99E7EA02-872D-4CD5-841C-3161C31127BD}"/>
-              </a:ext>
-            </a:extLst>
-          </p:cNvPr>
-          <p:cNvSpPr>
-            <a:spLocks noGrp="1"/>
-          </p:cNvSpPr>
-          <p:nvPr>
-            <p:ph idx="1"/>
+      <p:sp useBgFill="1">
+        <p:nvSpPr>
+          <p:cNvPr id="25" name="Rectangle 24">
+            <a:extLst>
+              <a:ext uri="{FF2B5EF4-FFF2-40B4-BE49-F238E27FC236}">
+                <a16:creationId xmlns:a16="http://schemas.microsoft.com/office/drawing/2014/main" id="{7D9D36D6-2AC5-46A1-A849-4C82D5264A3A}"/>
+              </a:ext>
+              <a:ext uri="{C183D7F6-B498-43B3-948B-1728B52AA6E4}">
+                <adec:decorative xmlns:adec="http://schemas.microsoft.com/office/drawing/2017/decorative" val="1"/>
+              </a:ext>
+            </a:extLst>
+          </p:cNvPr>
+          <p:cNvSpPr>
+            <a:spLocks noGrp="1" noRot="1" noChangeAspect="1" noMove="1" noResize="1" noEditPoints="1" noAdjustHandles="1" noChangeArrowheads="1" noChangeShapeType="1" noTextEdit="1"/>
+          </p:cNvSpPr>
+          <p:nvPr>
+            <p:extLst>
+              <p:ext uri="{386F3935-93C4-4BCD-93E2-E3B085C9AB24}">
+                <p16:designElem xmlns:p16="http://schemas.microsoft.com/office/powerpoint/2015/main" val="1"/>
+              </p:ext>
+            </p:extLst>
           </p:nvPr>
         </p:nvSpPr>
         <p:spPr>
           <a:xfrm>
-            <a:off x="838200" y="1825625"/>
-            <a:ext cx="10515600" cy="1028411"/>
+            <a:off x="-1" y="0"/>
+            <a:ext cx="12188952" cy="6858000"/>
           </a:xfrm>
+          <a:prstGeom prst="rect">
+            <a:avLst/>
+          </a:prstGeom>
+          <a:ln>
+            <a:noFill/>
+          </a:ln>
         </p:spPr>
-        <p:txBody>
-          <a:bodyPr/>
-          <a:lstStyle/>
-          <a:p>
-            <a:r>
-              <a:rPr lang="en-US" altLang="zh-CN" dirty="0"/>
-              <a:t>The top 3 venues in ‘1</a:t>
-            </a:r>
-            <a:r>
-              <a:rPr lang="en-US" altLang="zh-CN" baseline="30000" dirty="0"/>
-              <a:t>st</a:t>
-            </a:r>
-            <a:r>
-              <a:rPr lang="en-US" altLang="zh-CN" dirty="0"/>
-              <a:t> Most Common Venues’, ‘2</a:t>
-            </a:r>
-            <a:r>
-              <a:rPr lang="en-US" altLang="zh-CN" baseline="30000" dirty="0"/>
-              <a:t>nd</a:t>
-            </a:r>
-            <a:r>
-              <a:rPr lang="en-US" altLang="zh-CN" dirty="0"/>
-              <a:t> Most Common Venues’, ‘3</a:t>
-            </a:r>
-            <a:r>
-              <a:rPr lang="en-US" altLang="zh-CN" baseline="30000" dirty="0"/>
-              <a:t>rd</a:t>
-            </a:r>
-            <a:r>
-              <a:rPr lang="en-US" altLang="zh-CN" dirty="0"/>
-              <a:t> Most Common Venues’ of all clusters</a:t>
-            </a:r>
-            <a:endParaRPr lang="zh-CN" altLang="en-US" dirty="0"/>
+        <p:style>
+          <a:lnRef idx="2">
+            <a:schemeClr val="accent1">
+              <a:shade val="50000"/>
+            </a:schemeClr>
+          </a:lnRef>
+          <a:fillRef idx="1">
+            <a:schemeClr val="accent1"/>
+          </a:fillRef>
+          <a:effectRef idx="0">
+            <a:schemeClr val="accent1"/>
+          </a:effectRef>
+          <a:fontRef idx="minor">
+            <a:schemeClr val="lt1"/>
+          </a:fontRef>
+        </p:style>
+        <p:txBody>
+          <a:bodyPr rtlCol="0" anchor="ctr"/>
+          <a:lstStyle/>
+          <a:p>
+            <a:pPr algn="ctr"/>
+            <a:endParaRPr lang="en-US" dirty="0"/>
+          </a:p>
+        </p:txBody>
+      </p:sp>
+      <p:sp>
+        <p:nvSpPr>
+          <p:cNvPr id="2" name="Title 1">
+            <a:extLst>
+              <a:ext uri="{FF2B5EF4-FFF2-40B4-BE49-F238E27FC236}">
+                <a16:creationId xmlns:a16="http://schemas.microsoft.com/office/drawing/2014/main" id="{0B5FFCDB-5F1A-41DC-B24C-E59D740D29F1}"/>
+              </a:ext>
+            </a:extLst>
+          </p:cNvPr>
+          <p:cNvSpPr>
+            <a:spLocks noGrp="1"/>
+          </p:cNvSpPr>
+          <p:nvPr>
+            <p:ph type="title"/>
+          </p:nvPr>
+        </p:nvSpPr>
+        <p:spPr>
+          <a:xfrm>
+            <a:off x="314325" y="523607"/>
+            <a:ext cx="6372225" cy="600343"/>
+          </a:xfrm>
+          <a:noFill/>
+        </p:spPr>
+        <p:txBody>
+          <a:bodyPr vert="horz" lIns="91440" tIns="45720" rIns="91440" bIns="45720" rtlCol="0" anchor="b">
+            <a:normAutofit fontScale="90000"/>
+          </a:bodyPr>
+          <a:lstStyle/>
+          <a:p>
+            <a:r>
+              <a:rPr lang="en-US" altLang="zh-CN" sz="5200" dirty="0"/>
+              <a:t>Results-Average Rent </a:t>
+            </a:r>
           </a:p>
         </p:txBody>
       </p:sp>
       <p:pic>
         <p:nvPicPr>
-          <p:cNvPr id="4" name="Picture 3">
-            <a:extLst>
-              <a:ext uri="{FF2B5EF4-FFF2-40B4-BE49-F238E27FC236}">
-                <a16:creationId xmlns:a16="http://schemas.microsoft.com/office/drawing/2014/main" id="{21DB6ADE-1F71-4A6A-8C4F-32A1ED45F5CB}"/>
+          <p:cNvPr id="7" name="Picture 6">
+            <a:extLst>
+              <a:ext uri="{FF2B5EF4-FFF2-40B4-BE49-F238E27FC236}">
+                <a16:creationId xmlns:a16="http://schemas.microsoft.com/office/drawing/2014/main" id="{7284A2A5-01F2-4708-8B99-9F6210AD8C10}"/>
               </a:ext>
             </a:extLst>
           </p:cNvPr>
@@ -6235,16 +5964,15 @@
           </p:cNvPicPr>
           <p:nvPr/>
         </p:nvPicPr>
-        <p:blipFill>
+        <p:blipFill rotWithShape="1">
           <a:blip r:embed="rId2"/>
-          <a:stretch>
-            <a:fillRect/>
-          </a:stretch>
+          <a:srcRect l="2275"/>
+          <a:stretch/>
         </p:blipFill>
         <p:spPr>
           <a:xfrm>
-            <a:off x="1842656" y="2988973"/>
-            <a:ext cx="8340436" cy="3287136"/>
+            <a:off x="4200546" y="1050575"/>
+            <a:ext cx="4086204" cy="5612504"/>
           </a:xfrm>
           <a:prstGeom prst="rect">
             <a:avLst/>
@@ -6254,7 +5982,7 @@
     </p:spTree>
     <p:extLst>
       <p:ext uri="{BB962C8B-B14F-4D97-AF65-F5344CB8AC3E}">
-        <p14:creationId xmlns:p14="http://schemas.microsoft.com/office/powerpoint/2010/main" val="4246232134"/>
+        <p14:creationId xmlns:p14="http://schemas.microsoft.com/office/powerpoint/2010/main" val="1012472193"/>
       </p:ext>
     </p:extLst>
   </p:cSld>
@@ -6333,11 +6061,6 @@
           </a:bodyPr>
           <a:lstStyle/>
           <a:p>
-            <a:pPr algn="just">
-              <a:spcAft>
-                <a:spcPts val="0"/>
-              </a:spcAft>
-            </a:pPr>
             <a:r>
               <a:rPr lang="en-US" altLang="zh-CN" kern="100" dirty="0">
                 <a:effectLst/>
@@ -6345,25 +6068,19 @@
                 <a:ea typeface="等线" panose="02010600030101010101" pitchFamily="2" charset="-122"/>
                 <a:cs typeface="Times New Roman" panose="02020603050405020304" pitchFamily="18" charset="0"/>
               </a:rPr>
-              <a:t>The first three most common venues in Cluster 1 and Cluster 2 almost are restaurant, coffee shop or bar, which means that people like to go those neighborhoods for food and drink. But compared with other clusters, Cluster 1 has fewer common venues. So, Cluster 2 may have more visitors. </a:t>
-            </a:r>
-            <a:endParaRPr lang="zh-CN" altLang="zh-CN" kern="100" dirty="0">
-              <a:effectLst/>
-              <a:latin typeface="等线" panose="02010600030101010101" pitchFamily="2" charset="-122"/>
-              <a:ea typeface="等线" panose="02010600030101010101" pitchFamily="2" charset="-122"/>
-              <a:cs typeface="Times New Roman" panose="02020603050405020304" pitchFamily="18" charset="0"/>
-            </a:endParaRPr>
-          </a:p>
-          <a:p>
-            <a:r>
-              <a:rPr lang="en-US" altLang="zh-CN" dirty="0">
+              <a:t>Based on the boxplot of frequencies of categories, we can tell that Cluster1 has the highest frequency of Food category, while Cluster 2 is second cluster has high frequency of food category.</a:t>
+            </a:r>
+          </a:p>
+          <a:p>
+            <a:r>
+              <a:rPr lang="en-US" altLang="zh-CN" kern="100" dirty="0">
                 <a:effectLst/>
                 <a:latin typeface="等线" panose="02010600030101010101" pitchFamily="2" charset="-122"/>
+                <a:ea typeface="等线" panose="02010600030101010101" pitchFamily="2" charset="-122"/>
                 <a:cs typeface="Times New Roman" panose="02020603050405020304" pitchFamily="18" charset="0"/>
               </a:rPr>
-              <a:t>Cluster 1 has the lowest average rent, while Cluster 2 has the highest. So, Cluster 2 may be more prosperous in business</a:t>
-            </a:r>
-            <a:endParaRPr lang="zh-CN" altLang="en-US" sz="4000" dirty="0"/>
+              <a:t>Cluster1 also has the highest rental cost, and then Cluster2</a:t>
+            </a:r>
           </a:p>
         </p:txBody>
       </p:sp>
